--- a/lectures/TAC-Session14.pptx
+++ b/lectures/TAC-Session14.pptx
@@ -268,7 +268,7 @@
           <a:p>
             <a:fld id="{E431C0BB-DC71-4713-A787-95011EDB8CA8}" type="datetimeFigureOut">
               <a:rPr lang="pt-PT" smtClean="0"/>
-              <a:t>06/11/2024</a:t>
+              <a:t>07/11/24</a:t>
             </a:fld>
             <a:endParaRPr lang="pt-PT"/>
           </a:p>
@@ -436,7 +436,7 @@
           <a:p>
             <a:fld id="{E431C0BB-DC71-4713-A787-95011EDB8CA8}" type="datetimeFigureOut">
               <a:rPr lang="pt-PT" smtClean="0"/>
-              <a:t>06/11/2024</a:t>
+              <a:t>07/11/24</a:t>
             </a:fld>
             <a:endParaRPr lang="pt-PT"/>
           </a:p>
@@ -614,7 +614,7 @@
           <a:p>
             <a:fld id="{E431C0BB-DC71-4713-A787-95011EDB8CA8}" type="datetimeFigureOut">
               <a:rPr lang="pt-PT" smtClean="0"/>
-              <a:t>06/11/2024</a:t>
+              <a:t>07/11/24</a:t>
             </a:fld>
             <a:endParaRPr lang="pt-PT"/>
           </a:p>
@@ -782,7 +782,7 @@
           <a:p>
             <a:fld id="{E431C0BB-DC71-4713-A787-95011EDB8CA8}" type="datetimeFigureOut">
               <a:rPr lang="pt-PT" smtClean="0"/>
-              <a:t>06/11/2024</a:t>
+              <a:t>07/11/24</a:t>
             </a:fld>
             <a:endParaRPr lang="pt-PT"/>
           </a:p>
@@ -1027,7 +1027,7 @@
           <a:p>
             <a:fld id="{E431C0BB-DC71-4713-A787-95011EDB8CA8}" type="datetimeFigureOut">
               <a:rPr lang="pt-PT" smtClean="0"/>
-              <a:t>06/11/2024</a:t>
+              <a:t>07/11/24</a:t>
             </a:fld>
             <a:endParaRPr lang="pt-PT"/>
           </a:p>
@@ -1256,7 +1256,7 @@
           <a:p>
             <a:fld id="{E431C0BB-DC71-4713-A787-95011EDB8CA8}" type="datetimeFigureOut">
               <a:rPr lang="pt-PT" smtClean="0"/>
-              <a:t>06/11/2024</a:t>
+              <a:t>07/11/24</a:t>
             </a:fld>
             <a:endParaRPr lang="pt-PT"/>
           </a:p>
@@ -1620,7 +1620,7 @@
           <a:p>
             <a:fld id="{E431C0BB-DC71-4713-A787-95011EDB8CA8}" type="datetimeFigureOut">
               <a:rPr lang="pt-PT" smtClean="0"/>
-              <a:t>06/11/2024</a:t>
+              <a:t>07/11/24</a:t>
             </a:fld>
             <a:endParaRPr lang="pt-PT"/>
           </a:p>
@@ -1737,7 +1737,7 @@
           <a:p>
             <a:fld id="{E431C0BB-DC71-4713-A787-95011EDB8CA8}" type="datetimeFigureOut">
               <a:rPr lang="pt-PT" smtClean="0"/>
-              <a:t>06/11/2024</a:t>
+              <a:t>07/11/24</a:t>
             </a:fld>
             <a:endParaRPr lang="pt-PT"/>
           </a:p>
@@ -1832,7 +1832,7 @@
           <a:p>
             <a:fld id="{E431C0BB-DC71-4713-A787-95011EDB8CA8}" type="datetimeFigureOut">
               <a:rPr lang="pt-PT" smtClean="0"/>
-              <a:t>06/11/2024</a:t>
+              <a:t>07/11/24</a:t>
             </a:fld>
             <a:endParaRPr lang="pt-PT"/>
           </a:p>
@@ -2107,7 +2107,7 @@
           <a:p>
             <a:fld id="{E431C0BB-DC71-4713-A787-95011EDB8CA8}" type="datetimeFigureOut">
               <a:rPr lang="pt-PT" smtClean="0"/>
-              <a:t>06/11/2024</a:t>
+              <a:t>07/11/24</a:t>
             </a:fld>
             <a:endParaRPr lang="pt-PT"/>
           </a:p>
@@ -2359,7 +2359,7 @@
           <a:p>
             <a:fld id="{E431C0BB-DC71-4713-A787-95011EDB8CA8}" type="datetimeFigureOut">
               <a:rPr lang="pt-PT" smtClean="0"/>
-              <a:t>06/11/2024</a:t>
+              <a:t>07/11/24</a:t>
             </a:fld>
             <a:endParaRPr lang="pt-PT"/>
           </a:p>
@@ -2570,7 +2570,7 @@
           <a:p>
             <a:fld id="{E431C0BB-DC71-4713-A787-95011EDB8CA8}" type="datetimeFigureOut">
               <a:rPr lang="pt-PT" smtClean="0"/>
-              <a:t>06/11/2024</a:t>
+              <a:t>07/11/24</a:t>
             </a:fld>
             <a:endParaRPr lang="pt-PT"/>
           </a:p>
@@ -5656,7 +5656,7 @@
               <a:t>Rule-</a:t>
             </a:r>
             <a:r>
-              <a:rPr lang="pt-PT" sz="3000" b="1" err="1">
+              <a:rPr lang="pt-PT" sz="3000" b="1" dirty="0" err="1">
                 <a:ea typeface="+mn-lt"/>
                 <a:cs typeface="+mn-lt"/>
               </a:rPr>
@@ -5677,7 +5677,7 @@
               <a:t> </a:t>
             </a:r>
             <a:r>
-              <a:rPr lang="pt-PT" sz="3000" err="1">
+              <a:rPr lang="pt-PT" sz="3000" dirty="0" err="1">
                 <a:ea typeface="+mn-lt"/>
                 <a:cs typeface="+mn-lt"/>
               </a:rPr>
@@ -5691,7 +5691,7 @@
               <a:t> </a:t>
             </a:r>
             <a:r>
-              <a:rPr lang="pt-PT" sz="3000" err="1">
+              <a:rPr lang="pt-PT" sz="3000" dirty="0" err="1">
                 <a:ea typeface="+mn-lt"/>
                 <a:cs typeface="+mn-lt"/>
               </a:rPr>
@@ -5705,7 +5705,7 @@
               <a:t> </a:t>
             </a:r>
             <a:r>
-              <a:rPr lang="pt-PT" sz="3000" err="1">
+              <a:rPr lang="pt-PT" sz="3000" dirty="0" err="1">
                 <a:ea typeface="+mn-lt"/>
                 <a:cs typeface="+mn-lt"/>
               </a:rPr>
@@ -5726,7 +5726,7 @@
               <a:t>miss some </a:t>
             </a:r>
             <a:r>
-              <a:rPr lang="pt-PT" sz="3000" b="1" err="1">
+              <a:rPr lang="pt-PT" sz="3000" b="1" dirty="0" err="1">
                 <a:ea typeface="+mn-lt"/>
                 <a:cs typeface="+mn-lt"/>
               </a:rPr>
@@ -5748,7 +5748,7 @@
           </a:p>
           <a:p>
             <a:r>
-              <a:rPr lang="pt-PT" sz="3000" err="1">
+              <a:rPr lang="pt-PT" sz="3000" dirty="0" err="1">
                 <a:ea typeface="+mn-lt"/>
                 <a:cs typeface="+mn-lt"/>
               </a:rPr>
@@ -5762,7 +5762,7 @@
               <a:t> </a:t>
             </a:r>
             <a:r>
-              <a:rPr lang="pt-PT" sz="3000" b="1" err="1">
+              <a:rPr lang="pt-PT" sz="3000" b="1" dirty="0" err="1">
                 <a:ea typeface="+mn-lt"/>
                 <a:cs typeface="+mn-lt"/>
               </a:rPr>
@@ -5776,7 +5776,7 @@
               <a:t> are </a:t>
             </a:r>
             <a:r>
-              <a:rPr lang="pt-PT" sz="3000" b="1" err="1">
+              <a:rPr lang="pt-PT" sz="3000" b="1" dirty="0" err="1">
                 <a:ea typeface="+mn-lt"/>
                 <a:cs typeface="+mn-lt"/>
               </a:rPr>
@@ -5790,7 +5790,7 @@
               <a:t>, </a:t>
             </a:r>
             <a:r>
-              <a:rPr lang="pt-PT" sz="3000" err="1">
+              <a:rPr lang="pt-PT" sz="3000" dirty="0" err="1">
                 <a:ea typeface="+mn-lt"/>
                 <a:cs typeface="+mn-lt"/>
               </a:rPr>
@@ -5804,7 +5804,7 @@
               <a:t> </a:t>
             </a:r>
             <a:r>
-              <a:rPr lang="pt-PT" sz="3000" err="1">
+              <a:rPr lang="pt-PT" sz="3000" dirty="0" err="1">
                 <a:ea typeface="+mn-lt"/>
                 <a:cs typeface="+mn-lt"/>
               </a:rPr>
@@ -5818,7 +5818,7 @@
               <a:t> </a:t>
             </a:r>
             <a:r>
-              <a:rPr lang="pt-PT" sz="3000" err="1">
+              <a:rPr lang="pt-PT" sz="3000" dirty="0" err="1">
                 <a:ea typeface="+mn-lt"/>
                 <a:cs typeface="+mn-lt"/>
               </a:rPr>
@@ -5832,7 +5832,7 @@
               <a:t> are </a:t>
             </a:r>
             <a:r>
-              <a:rPr lang="pt-PT" sz="3000" err="1">
+              <a:rPr lang="pt-PT" sz="3000" dirty="0" err="1">
                 <a:ea typeface="+mn-lt"/>
                 <a:cs typeface="+mn-lt"/>
               </a:rPr>
@@ -5846,7 +5846,7 @@
               <a:t> </a:t>
             </a:r>
             <a:r>
-              <a:rPr lang="pt-PT" sz="3000" err="1">
+              <a:rPr lang="pt-PT" sz="3000" dirty="0" err="1">
                 <a:ea typeface="+mn-lt"/>
                 <a:cs typeface="+mn-lt"/>
               </a:rPr>
@@ -6275,7 +6275,7 @@
               </a:rPr>
               <a:t>.</a:t>
             </a:r>
-            <a:endParaRPr lang="pt-PT"/>
+            <a:endParaRPr lang="pt-PT" dirty="0"/>
           </a:p>
           <a:p>
             <a:pPr marL="0" indent="0">
@@ -6999,7 +6999,7 @@
           </a:lstStyle>
           <a:p>
             <a:r>
-              <a:rPr lang="pt-PT" sz="3000" err="1">
+              <a:rPr lang="pt-PT" sz="3000" dirty="0" err="1">
                 <a:ea typeface="+mn-lt"/>
                 <a:cs typeface="+mn-lt"/>
               </a:rPr>
@@ -7013,7 +7013,7 @@
               <a:t> </a:t>
             </a:r>
             <a:r>
-              <a:rPr lang="pt-PT" sz="3000" err="1">
+              <a:rPr lang="pt-PT" sz="3000" dirty="0" err="1">
                 <a:ea typeface="+mn-lt"/>
                 <a:cs typeface="+mn-lt"/>
               </a:rPr>
@@ -7027,7 +7027,7 @@
               <a:t> </a:t>
             </a:r>
             <a:r>
-              <a:rPr lang="pt-PT" sz="3000" err="1">
+              <a:rPr lang="pt-PT" sz="3000" dirty="0" err="1">
                 <a:ea typeface="+mn-lt"/>
                 <a:cs typeface="+mn-lt"/>
               </a:rPr>
@@ -7041,7 +7041,7 @@
               <a:t> </a:t>
             </a:r>
             <a:r>
-              <a:rPr lang="pt-PT" sz="3000" err="1">
+              <a:rPr lang="pt-PT" sz="3000" dirty="0" err="1">
                 <a:ea typeface="+mn-lt"/>
                 <a:cs typeface="+mn-lt"/>
               </a:rPr>
@@ -7055,7 +7055,7 @@
               <a:t> for NER </a:t>
             </a:r>
             <a:r>
-              <a:rPr lang="pt-PT" sz="3000" err="1">
+              <a:rPr lang="pt-PT" sz="3000" dirty="0" err="1">
                 <a:ea typeface="+mn-lt"/>
                 <a:cs typeface="+mn-lt"/>
               </a:rPr>
@@ -7069,7 +7069,7 @@
               <a:t> </a:t>
             </a:r>
             <a:r>
-              <a:rPr lang="pt-PT" sz="3000" err="1">
+              <a:rPr lang="pt-PT" sz="3000" dirty="0" err="1">
                 <a:ea typeface="+mn-lt"/>
                 <a:cs typeface="+mn-lt"/>
               </a:rPr>
@@ -7083,7 +7083,7 @@
               <a:t> </a:t>
             </a:r>
             <a:r>
-              <a:rPr lang="pt-PT" sz="3000" b="1" err="1">
+              <a:rPr lang="pt-PT" sz="3000" b="1" dirty="0" err="1">
                 <a:ea typeface="+mn-lt"/>
                 <a:cs typeface="+mn-lt"/>
               </a:rPr>
@@ -7097,7 +7097,7 @@
               <a:t> </a:t>
             </a:r>
             <a:r>
-              <a:rPr lang="pt-PT" sz="3000" b="1" err="1">
+              <a:rPr lang="pt-PT" sz="3000" b="1" dirty="0" err="1">
                 <a:ea typeface="+mn-lt"/>
                 <a:cs typeface="+mn-lt"/>
               </a:rPr>
@@ -7111,7 +7111,7 @@
               <a:t> </a:t>
             </a:r>
             <a:r>
-              <a:rPr lang="pt-PT" sz="3000" err="1">
+              <a:rPr lang="pt-PT" sz="3000" dirty="0" err="1">
                 <a:ea typeface="+mn-lt"/>
                 <a:cs typeface="+mn-lt"/>
               </a:rPr>
@@ -7125,7 +7125,7 @@
               <a:t> </a:t>
             </a:r>
             <a:r>
-              <a:rPr lang="pt-PT" sz="3000" err="1">
+              <a:rPr lang="pt-PT" sz="3000" dirty="0" err="1">
                 <a:ea typeface="+mn-lt"/>
                 <a:cs typeface="+mn-lt"/>
               </a:rPr>
@@ -7139,7 +7139,7 @@
               <a:t> </a:t>
             </a:r>
             <a:r>
-              <a:rPr lang="pt-PT" sz="3000" err="1">
+              <a:rPr lang="pt-PT" sz="3000" dirty="0" err="1">
                 <a:ea typeface="+mn-lt"/>
                 <a:cs typeface="+mn-lt"/>
               </a:rPr>
@@ -7153,7 +7153,7 @@
               <a:t> to </a:t>
             </a:r>
             <a:r>
-              <a:rPr lang="pt-PT" sz="3000" err="1">
+              <a:rPr lang="pt-PT" sz="3000" dirty="0" err="1">
                 <a:ea typeface="+mn-lt"/>
                 <a:cs typeface="+mn-lt"/>
               </a:rPr>
@@ -7167,7 +7167,7 @@
               <a:t> </a:t>
             </a:r>
             <a:r>
-              <a:rPr lang="pt-PT" sz="3000" err="1">
+              <a:rPr lang="pt-PT" sz="3000" dirty="0" err="1">
                 <a:ea typeface="+mn-lt"/>
                 <a:cs typeface="+mn-lt"/>
               </a:rPr>
@@ -7181,7 +7181,7 @@
               <a:t> as </a:t>
             </a:r>
             <a:r>
-              <a:rPr lang="pt-PT" sz="3000" err="1">
+              <a:rPr lang="pt-PT" sz="3000" dirty="0" err="1">
                 <a:ea typeface="+mn-lt"/>
                 <a:cs typeface="+mn-lt"/>
               </a:rPr>
@@ -7195,7 +7195,7 @@
               <a:t> </a:t>
             </a:r>
             <a:r>
-              <a:rPr lang="pt-PT" sz="3000" err="1">
+              <a:rPr lang="pt-PT" sz="3000" dirty="0" err="1">
                 <a:ea typeface="+mn-lt"/>
                 <a:cs typeface="+mn-lt"/>
               </a:rPr>
@@ -7208,7 +7208,7 @@
               </a:rPr>
               <a:t>. </a:t>
             </a:r>
-            <a:endParaRPr lang="pt-PT"/>
+            <a:endParaRPr lang="pt-PT" dirty="0"/>
           </a:p>
           <a:p>
             <a:endParaRPr lang="pt-PT" sz="3000" dirty="0">
@@ -7392,7 +7392,7 @@
               </a:rPr>
               <a:t>).</a:t>
             </a:r>
-            <a:endParaRPr lang="pt-PT"/>
+            <a:endParaRPr lang="pt-PT" dirty="0"/>
           </a:p>
           <a:p>
             <a:pPr marL="971550" lvl="1" indent="-457200">
@@ -16467,7 +16467,7 @@
               <a:t>NER </a:t>
             </a:r>
             <a:r>
-              <a:rPr lang="pt-PT" sz="3000" err="1">
+              <a:rPr lang="pt-PT" sz="3000" dirty="0" err="1">
                 <a:ea typeface="+mn-lt"/>
                 <a:cs typeface="+mn-lt"/>
               </a:rPr>
@@ -16481,7 +16481,7 @@
               <a:t> a </a:t>
             </a:r>
             <a:r>
-              <a:rPr lang="pt-PT" sz="3000" err="1">
+              <a:rPr lang="pt-PT" sz="3000" dirty="0" err="1">
                 <a:ea typeface="+mn-lt"/>
                 <a:cs typeface="+mn-lt"/>
               </a:rPr>
@@ -16495,7 +16495,7 @@
               <a:t> </a:t>
             </a:r>
             <a:r>
-              <a:rPr lang="pt-PT" sz="3000" err="1">
+              <a:rPr lang="pt-PT" sz="3000" dirty="0" err="1">
                 <a:ea typeface="+mn-lt"/>
                 <a:cs typeface="+mn-lt"/>
               </a:rPr>
@@ -16509,7 +16509,7 @@
               <a:t> </a:t>
             </a:r>
             <a:r>
-              <a:rPr lang="pt-PT" sz="3000" err="1">
+              <a:rPr lang="pt-PT" sz="3000" dirty="0" err="1">
                 <a:ea typeface="+mn-lt"/>
                 <a:cs typeface="+mn-lt"/>
               </a:rPr>
@@ -16523,7 +16523,7 @@
               <a:t> </a:t>
             </a:r>
             <a:r>
-              <a:rPr lang="pt-PT" sz="3000" err="1">
+              <a:rPr lang="pt-PT" sz="3000" dirty="0" err="1">
                 <a:ea typeface="+mn-lt"/>
                 <a:cs typeface="+mn-lt"/>
               </a:rPr>
@@ -16537,7 +16537,7 @@
               <a:t> </a:t>
             </a:r>
             <a:r>
-              <a:rPr lang="pt-PT" sz="3000" err="1">
+              <a:rPr lang="pt-PT" sz="3000" dirty="0" err="1">
                 <a:ea typeface="+mn-lt"/>
                 <a:cs typeface="+mn-lt"/>
               </a:rPr>
@@ -16551,7 +16551,7 @@
               <a:t> </a:t>
             </a:r>
             <a:r>
-              <a:rPr lang="pt-PT" sz="3000" b="1" err="1">
+              <a:rPr lang="pt-PT" sz="3000" b="1" dirty="0" err="1">
                 <a:ea typeface="+mn-lt"/>
                 <a:cs typeface="+mn-lt"/>
               </a:rPr>
@@ -16565,7 +16565,7 @@
               <a:t> </a:t>
             </a:r>
             <a:r>
-              <a:rPr lang="pt-PT" sz="3000" b="1" err="1">
+              <a:rPr lang="pt-PT" sz="3000" b="1" dirty="0" err="1">
                 <a:ea typeface="+mn-lt"/>
                 <a:cs typeface="+mn-lt"/>
               </a:rPr>
@@ -16579,7 +16579,7 @@
               <a:t> </a:t>
             </a:r>
             <a:r>
-              <a:rPr lang="pt-PT" sz="3000" b="1" err="1">
+              <a:rPr lang="pt-PT" sz="3000" b="1" dirty="0" err="1">
                 <a:ea typeface="+mn-lt"/>
                 <a:cs typeface="+mn-lt"/>
               </a:rPr>
@@ -16593,7 +16593,7 @@
               <a:t> in </a:t>
             </a:r>
             <a:r>
-              <a:rPr lang="pt-PT" sz="3000" err="1">
+              <a:rPr lang="pt-PT" sz="3000" dirty="0" err="1">
                 <a:ea typeface="+mn-lt"/>
                 <a:cs typeface="+mn-lt"/>
               </a:rPr>
@@ -16607,7 +16607,7 @@
               <a:t> </a:t>
             </a:r>
             <a:r>
-              <a:rPr lang="pt-PT" sz="3000" err="1">
+              <a:rPr lang="pt-PT" sz="3000" dirty="0" err="1">
                 <a:ea typeface="+mn-lt"/>
                 <a:cs typeface="+mn-lt"/>
               </a:rPr>
@@ -16621,7 +16621,7 @@
               <a:t> </a:t>
             </a:r>
             <a:r>
-              <a:rPr lang="pt-PT" sz="3000" err="1">
+              <a:rPr lang="pt-PT" sz="3000" dirty="0" err="1">
                 <a:ea typeface="+mn-lt"/>
                 <a:cs typeface="+mn-lt"/>
               </a:rPr>
@@ -16635,7 +16635,7 @@
               <a:t> </a:t>
             </a:r>
             <a:r>
-              <a:rPr lang="pt-PT" sz="3000" err="1">
+              <a:rPr lang="pt-PT" sz="3000" dirty="0" err="1">
                 <a:ea typeface="+mn-lt"/>
                 <a:cs typeface="+mn-lt"/>
               </a:rPr>
@@ -16649,7 +16649,7 @@
               <a:t> </a:t>
             </a:r>
             <a:r>
-              <a:rPr lang="pt-PT" sz="3000" err="1">
+              <a:rPr lang="pt-PT" sz="3000" dirty="0" err="1">
                 <a:ea typeface="+mn-lt"/>
                 <a:cs typeface="+mn-lt"/>
               </a:rPr>
@@ -16663,7 +16663,7 @@
               <a:t> </a:t>
             </a:r>
             <a:r>
-              <a:rPr lang="pt-PT" sz="3000" b="1" err="1">
+              <a:rPr lang="pt-PT" sz="3000" b="1" dirty="0" err="1">
                 <a:ea typeface="+mn-lt"/>
                 <a:cs typeface="+mn-lt"/>
               </a:rPr>
@@ -16677,7 +16677,7 @@
               <a:t> </a:t>
             </a:r>
             <a:r>
-              <a:rPr lang="pt-PT" sz="3000" b="1" err="1">
+              <a:rPr lang="pt-PT" sz="3000" b="1" dirty="0" err="1">
                 <a:ea typeface="+mn-lt"/>
                 <a:cs typeface="+mn-lt"/>
               </a:rPr>
@@ -16699,51 +16699,47 @@
           </a:p>
           <a:p>
             <a:r>
-              <a:rPr lang="pt-PT" sz="3000" b="1" err="1">
+              <a:rPr lang="pt-PT" sz="3000" b="1" dirty="0" err="1">
                 <a:ea typeface="+mn-lt"/>
                 <a:cs typeface="+mn-lt"/>
               </a:rPr>
               <a:t>Examples</a:t>
             </a:r>
             <a:r>
-              <a:rPr lang="pt-PT" sz="3000" b="1">
-                <a:ea typeface="+mn-lt"/>
-                <a:cs typeface="+mn-lt"/>
-              </a:rPr>
-              <a:t> </a:t>
-            </a:r>
-            <a:r>
-              <a:rPr lang="pt-PT" sz="3000" b="1" err="1">
+              <a:rPr lang="pt-PT" sz="3000" b="1" dirty="0">
+                <a:ea typeface="+mn-lt"/>
+                <a:cs typeface="+mn-lt"/>
+              </a:rPr>
+              <a:t> </a:t>
+            </a:r>
+            <a:r>
+              <a:rPr lang="pt-PT" sz="3000" b="1" dirty="0" err="1">
                 <a:ea typeface="+mn-lt"/>
                 <a:cs typeface="+mn-lt"/>
               </a:rPr>
               <a:t>of</a:t>
             </a:r>
             <a:r>
-              <a:rPr lang="pt-PT" sz="3000" b="1">
-                <a:ea typeface="+mn-lt"/>
-                <a:cs typeface="+mn-lt"/>
-              </a:rPr>
-              <a:t> </a:t>
-            </a:r>
-            <a:r>
-              <a:rPr lang="pt-PT" sz="3000" b="1" err="1">
+              <a:rPr lang="pt-PT" sz="3000" b="1" dirty="0">
+                <a:ea typeface="+mn-lt"/>
+                <a:cs typeface="+mn-lt"/>
+              </a:rPr>
+              <a:t> </a:t>
+            </a:r>
+            <a:r>
+              <a:rPr lang="pt-PT" sz="3000" b="1" dirty="0" err="1">
                 <a:ea typeface="+mn-lt"/>
                 <a:cs typeface="+mn-lt"/>
               </a:rPr>
               <a:t>entities</a:t>
             </a:r>
             <a:r>
-              <a:rPr lang="pt-PT" sz="3000">
+              <a:rPr lang="pt-PT" sz="3000" dirty="0">
                 <a:ea typeface="+mn-lt"/>
                 <a:cs typeface="+mn-lt"/>
               </a:rPr>
               <a:t>:</a:t>
             </a:r>
-            <a:endParaRPr lang="pt-PT" sz="3000" dirty="0">
-              <a:ea typeface="+mn-lt"/>
-              <a:cs typeface="+mn-lt"/>
-            </a:endParaRPr>
           </a:p>
           <a:p>
             <a:pPr lvl="1">
@@ -16751,7 +16747,7 @@
               <a:buChar char="o"/>
             </a:pPr>
             <a:r>
-              <a:rPr lang="pt-PT" sz="2600" err="1">
+              <a:rPr lang="pt-PT" sz="2600" dirty="0" err="1">
                 <a:ea typeface="+mn-lt"/>
                 <a:cs typeface="+mn-lt"/>
               </a:rPr>
@@ -16765,41 +16761,41 @@
               <a:t> </a:t>
             </a:r>
             <a:r>
-              <a:rPr lang="pt-PT" sz="2600" err="1">
+              <a:rPr lang="pt-PT" sz="2600" dirty="0" err="1">
                 <a:ea typeface="+mn-lt"/>
                 <a:cs typeface="+mn-lt"/>
               </a:rPr>
               <a:t>names</a:t>
             </a:r>
             <a:r>
-              <a:rPr lang="pt-PT" sz="2600">
+              <a:rPr lang="pt-PT" sz="2600" dirty="0">
                 <a:ea typeface="+mn-lt"/>
                 <a:cs typeface="+mn-lt"/>
               </a:rPr>
               <a:t> (e.g., </a:t>
             </a:r>
             <a:r>
-              <a:rPr lang="pt-PT" sz="2600" i="1" err="1">
+              <a:rPr lang="pt-PT" sz="2600" i="1" dirty="0" err="1">
                 <a:ea typeface="+mn-lt"/>
                 <a:cs typeface="+mn-lt"/>
               </a:rPr>
               <a:t>Albert</a:t>
             </a:r>
             <a:r>
-              <a:rPr lang="pt-PT" sz="2600" i="1">
+              <a:rPr lang="pt-PT" sz="2600" i="1" dirty="0">
                 <a:ea typeface="+mn-lt"/>
                 <a:cs typeface="+mn-lt"/>
               </a:rPr>
               <a:t> Einstein</a:t>
             </a:r>
             <a:r>
-              <a:rPr lang="pt-PT" sz="2600">
+              <a:rPr lang="pt-PT" sz="2600" dirty="0">
                 <a:ea typeface="+mn-lt"/>
                 <a:cs typeface="+mn-lt"/>
               </a:rPr>
               <a:t>)</a:t>
             </a:r>
-            <a:endParaRPr lang="pt-PT">
+            <a:endParaRPr lang="pt-PT" dirty="0">
               <a:ea typeface="+mn-lt"/>
               <a:cs typeface="+mn-lt"/>
             </a:endParaRPr>
@@ -16810,34 +16806,34 @@
               <a:buChar char="o"/>
             </a:pPr>
             <a:r>
-              <a:rPr lang="pt-PT" sz="2600" err="1">
+              <a:rPr lang="pt-PT" sz="2600" dirty="0" err="1">
                 <a:ea typeface="+mn-lt"/>
                 <a:cs typeface="+mn-lt"/>
               </a:rPr>
               <a:t>Locations</a:t>
             </a:r>
             <a:r>
-              <a:rPr lang="pt-PT" sz="2600">
+              <a:rPr lang="pt-PT" sz="2600" dirty="0">
                 <a:ea typeface="+mn-lt"/>
                 <a:cs typeface="+mn-lt"/>
               </a:rPr>
               <a:t> (e.g., </a:t>
             </a:r>
             <a:r>
-              <a:rPr lang="pt-PT" sz="2600" i="1">
+              <a:rPr lang="pt-PT" sz="2600" i="1" dirty="0">
                 <a:ea typeface="+mn-lt"/>
                 <a:cs typeface="+mn-lt"/>
               </a:rPr>
               <a:t>Paris</a:t>
             </a:r>
             <a:r>
-              <a:rPr lang="pt-PT" sz="2600">
+              <a:rPr lang="pt-PT" sz="2600" dirty="0">
                 <a:ea typeface="+mn-lt"/>
                 <a:cs typeface="+mn-lt"/>
               </a:rPr>
               <a:t>)</a:t>
             </a:r>
-            <a:endParaRPr lang="pt-PT">
+            <a:endParaRPr lang="pt-PT" dirty="0">
               <a:ea typeface="+mn-lt"/>
               <a:cs typeface="+mn-lt"/>
             </a:endParaRPr>
@@ -16848,41 +16844,41 @@
               <a:buChar char="o"/>
             </a:pPr>
             <a:r>
-              <a:rPr lang="pt-PT" sz="2600" err="1">
+              <a:rPr lang="pt-PT" sz="2600" dirty="0" err="1">
                 <a:ea typeface="+mn-lt"/>
                 <a:cs typeface="+mn-lt"/>
               </a:rPr>
               <a:t>Organizations</a:t>
             </a:r>
             <a:r>
-              <a:rPr lang="pt-PT" sz="2600">
+              <a:rPr lang="pt-PT" sz="2600" dirty="0">
                 <a:ea typeface="+mn-lt"/>
                 <a:cs typeface="+mn-lt"/>
               </a:rPr>
               <a:t> (e.g., </a:t>
             </a:r>
             <a:r>
-              <a:rPr lang="pt-PT" sz="2600" i="1">
+              <a:rPr lang="pt-PT" sz="2600" i="1" dirty="0">
                 <a:ea typeface="+mn-lt"/>
                 <a:cs typeface="+mn-lt"/>
               </a:rPr>
               <a:t>United </a:t>
             </a:r>
             <a:r>
-              <a:rPr lang="pt-PT" sz="2600" i="1" err="1">
+              <a:rPr lang="pt-PT" sz="2600" i="1" dirty="0" err="1">
                 <a:ea typeface="+mn-lt"/>
                 <a:cs typeface="+mn-lt"/>
               </a:rPr>
               <a:t>Nations</a:t>
             </a:r>
             <a:r>
-              <a:rPr lang="pt-PT" sz="2600">
+              <a:rPr lang="pt-PT" sz="2600" dirty="0">
                 <a:ea typeface="+mn-lt"/>
                 <a:cs typeface="+mn-lt"/>
               </a:rPr>
               <a:t>)</a:t>
             </a:r>
-            <a:endParaRPr lang="pt-PT">
+            <a:endParaRPr lang="pt-PT" dirty="0">
               <a:ea typeface="+mn-lt"/>
               <a:cs typeface="+mn-lt"/>
             </a:endParaRPr>
@@ -16893,14 +16889,14 @@
               <a:buChar char="o"/>
             </a:pPr>
             <a:r>
-              <a:rPr lang="pt-PT" sz="2600">
+              <a:rPr lang="pt-PT" sz="2600" dirty="0">
                 <a:ea typeface="+mn-lt"/>
                 <a:cs typeface="+mn-lt"/>
               </a:rPr>
               <a:t>Dates, </a:t>
             </a:r>
             <a:r>
-              <a:rPr lang="pt-PT" sz="2600" err="1">
+              <a:rPr lang="pt-PT" sz="2600" dirty="0" err="1">
                 <a:ea typeface="+mn-lt"/>
                 <a:cs typeface="+mn-lt"/>
               </a:rPr>
@@ -16914,20 +16910,20 @@
               <a:t> </a:t>
             </a:r>
             <a:r>
-              <a:rPr lang="pt-PT" sz="2600" err="1">
+              <a:rPr lang="pt-PT" sz="2600" dirty="0" err="1">
                 <a:ea typeface="+mn-lt"/>
                 <a:cs typeface="+mn-lt"/>
               </a:rPr>
               <a:t>values</a:t>
             </a:r>
             <a:r>
-              <a:rPr lang="pt-PT" sz="2600">
+              <a:rPr lang="pt-PT" sz="2600" dirty="0">
                 <a:ea typeface="+mn-lt"/>
                 <a:cs typeface="+mn-lt"/>
               </a:rPr>
               <a:t>, etc.</a:t>
             </a:r>
-            <a:endParaRPr lang="pt-PT">
+            <a:endParaRPr lang="pt-PT" dirty="0">
               <a:ea typeface="+mn-lt"/>
               <a:cs typeface="+mn-lt"/>
             </a:endParaRPr>
@@ -19266,7 +19262,7 @@
               <a:t>Question </a:t>
             </a:r>
             <a:r>
-              <a:rPr lang="pt-PT" sz="2600" b="1" err="1">
+              <a:rPr lang="pt-PT" sz="2600" b="1" dirty="0" err="1">
                 <a:ea typeface="+mn-lt"/>
                 <a:cs typeface="+mn-lt"/>
               </a:rPr>
@@ -19287,7 +19283,7 @@
               <a:t> </a:t>
             </a:r>
             <a:r>
-              <a:rPr lang="pt-PT" sz="2600" err="1">
+              <a:rPr lang="pt-PT" sz="2600" dirty="0" err="1">
                 <a:ea typeface="+mn-lt"/>
                 <a:cs typeface="+mn-lt"/>
               </a:rPr>
@@ -19301,7 +19297,7 @@
               <a:t> </a:t>
             </a:r>
             <a:r>
-              <a:rPr lang="pt-PT" sz="2600" err="1">
+              <a:rPr lang="pt-PT" sz="2600" dirty="0" err="1">
                 <a:ea typeface="+mn-lt"/>
                 <a:cs typeface="+mn-lt"/>
               </a:rPr>
@@ -19315,7 +19311,7 @@
               <a:t> </a:t>
             </a:r>
             <a:r>
-              <a:rPr lang="pt-PT" sz="2600" err="1">
+              <a:rPr lang="pt-PT" sz="2600" dirty="0" err="1">
                 <a:ea typeface="+mn-lt"/>
                 <a:cs typeface="+mn-lt"/>
               </a:rPr>
@@ -19329,7 +19325,7 @@
               <a:t> </a:t>
             </a:r>
             <a:r>
-              <a:rPr lang="pt-PT" sz="2600" err="1">
+              <a:rPr lang="pt-PT" sz="2600" dirty="0" err="1">
                 <a:ea typeface="+mn-lt"/>
                 <a:cs typeface="+mn-lt"/>
               </a:rPr>
@@ -19343,7 +19339,7 @@
               <a:t> </a:t>
             </a:r>
             <a:r>
-              <a:rPr lang="pt-PT" sz="2600" err="1">
+              <a:rPr lang="pt-PT" sz="2600" dirty="0" err="1">
                 <a:ea typeface="+mn-lt"/>
                 <a:cs typeface="+mn-lt"/>
               </a:rPr>
@@ -19373,7 +19369,7 @@
               <a:buChar char="o"/>
             </a:pPr>
             <a:r>
-              <a:rPr lang="pt-PT" sz="2600" b="1" err="1">
+              <a:rPr lang="pt-PT" sz="2600" b="1" dirty="0" err="1">
                 <a:ea typeface="+mn-lt"/>
                 <a:cs typeface="+mn-lt"/>
               </a:rPr>
@@ -19387,7 +19383,7 @@
               <a:t> </a:t>
             </a:r>
             <a:r>
-              <a:rPr lang="pt-PT" sz="2600" b="1" err="1">
+              <a:rPr lang="pt-PT" sz="2600" b="1" dirty="0" err="1">
                 <a:ea typeface="+mn-lt"/>
                 <a:cs typeface="+mn-lt"/>
               </a:rPr>
@@ -19408,7 +19404,7 @@
               <a:t> </a:t>
             </a:r>
             <a:r>
-              <a:rPr lang="pt-PT" sz="2600" err="1">
+              <a:rPr lang="pt-PT" sz="2600" dirty="0" err="1">
                 <a:ea typeface="+mn-lt"/>
                 <a:cs typeface="+mn-lt"/>
               </a:rPr>
@@ -19422,7 +19418,7 @@
               <a:t> </a:t>
             </a:r>
             <a:r>
-              <a:rPr lang="pt-PT" sz="2600" err="1">
+              <a:rPr lang="pt-PT" sz="2600" dirty="0" err="1">
                 <a:ea typeface="+mn-lt"/>
                 <a:cs typeface="+mn-lt"/>
               </a:rPr>
@@ -19436,7 +19432,7 @@
               <a:t> </a:t>
             </a:r>
             <a:r>
-              <a:rPr lang="pt-PT" sz="2600" err="1">
+              <a:rPr lang="pt-PT" sz="2600" dirty="0" err="1">
                 <a:ea typeface="+mn-lt"/>
                 <a:cs typeface="+mn-lt"/>
               </a:rPr>
@@ -19450,7 +19446,7 @@
               <a:t> to </a:t>
             </a:r>
             <a:r>
-              <a:rPr lang="pt-PT" sz="2600" err="1">
+              <a:rPr lang="pt-PT" sz="2600" dirty="0" err="1">
                 <a:ea typeface="+mn-lt"/>
                 <a:cs typeface="+mn-lt"/>
               </a:rPr>
@@ -19464,7 +19460,7 @@
               <a:t> </a:t>
             </a:r>
             <a:r>
-              <a:rPr lang="pt-PT" sz="2600" err="1">
+              <a:rPr lang="pt-PT" sz="2600" dirty="0" err="1">
                 <a:ea typeface="+mn-lt"/>
                 <a:cs typeface="+mn-lt"/>
               </a:rPr>
@@ -19478,7 +19474,7 @@
               <a:t> (e.g., </a:t>
             </a:r>
             <a:r>
-              <a:rPr lang="pt-PT" sz="2600" err="1">
+              <a:rPr lang="pt-PT" sz="2600" dirty="0" err="1">
                 <a:ea typeface="+mn-lt"/>
                 <a:cs typeface="+mn-lt"/>
               </a:rPr>
@@ -19508,7 +19504,7 @@
               <a:buChar char="o"/>
             </a:pPr>
             <a:r>
-              <a:rPr lang="pt-PT" sz="2600" b="1" err="1">
+              <a:rPr lang="pt-PT" sz="2600" b="1" dirty="0" err="1">
                 <a:ea typeface="+mn-lt"/>
                 <a:cs typeface="+mn-lt"/>
               </a:rPr>
@@ -19522,7 +19518,7 @@
               <a:t> </a:t>
             </a:r>
             <a:r>
-              <a:rPr lang="pt-PT" sz="2600" b="1" err="1">
+              <a:rPr lang="pt-PT" sz="2600" b="1" dirty="0" err="1">
                 <a:ea typeface="+mn-lt"/>
                 <a:cs typeface="+mn-lt"/>
               </a:rPr>
@@ -19543,7 +19539,7 @@
               <a:t> Improve </a:t>
             </a:r>
             <a:r>
-              <a:rPr lang="pt-PT" sz="2600" err="1">
+              <a:rPr lang="pt-PT" sz="2600" dirty="0" err="1">
                 <a:ea typeface="+mn-lt"/>
                 <a:cs typeface="+mn-lt"/>
               </a:rPr>
@@ -19557,7 +19553,7 @@
               <a:t> </a:t>
             </a:r>
             <a:r>
-              <a:rPr lang="pt-PT" sz="2600" err="1">
+              <a:rPr lang="pt-PT" sz="2600" dirty="0" err="1">
                 <a:ea typeface="+mn-lt"/>
                 <a:cs typeface="+mn-lt"/>
               </a:rPr>
@@ -19571,7 +19567,7 @@
               <a:t> </a:t>
             </a:r>
             <a:r>
-              <a:rPr lang="pt-PT" sz="2600" err="1">
+              <a:rPr lang="pt-PT" sz="2600" dirty="0" err="1">
                 <a:ea typeface="+mn-lt"/>
                 <a:cs typeface="+mn-lt"/>
               </a:rPr>
@@ -19585,7 +19581,7 @@
               <a:t> </a:t>
             </a:r>
             <a:r>
-              <a:rPr lang="pt-PT" sz="2600" err="1">
+              <a:rPr lang="pt-PT" sz="2600" dirty="0" err="1">
                 <a:ea typeface="+mn-lt"/>
                 <a:cs typeface="+mn-lt"/>
               </a:rPr>
@@ -19599,7 +19595,7 @@
               <a:t> </a:t>
             </a:r>
             <a:r>
-              <a:rPr lang="pt-PT" sz="2600" err="1">
+              <a:rPr lang="pt-PT" sz="2600" dirty="0" err="1">
                 <a:ea typeface="+mn-lt"/>
                 <a:cs typeface="+mn-lt"/>
               </a:rPr>
@@ -19613,7 +19609,7 @@
               <a:t> </a:t>
             </a:r>
             <a:r>
-              <a:rPr lang="pt-PT" sz="2600" err="1">
+              <a:rPr lang="pt-PT" sz="2600" dirty="0" err="1">
                 <a:ea typeface="+mn-lt"/>
                 <a:cs typeface="+mn-lt"/>
               </a:rPr>
@@ -20520,7 +20516,7 @@
               <a:buChar char="o"/>
             </a:pPr>
             <a:r>
-              <a:rPr lang="pt-PT" sz="2600" b="1" err="1">
+              <a:rPr lang="pt-PT" sz="2600" b="1" dirty="0" err="1">
                 <a:ea typeface="+mn-lt"/>
                 <a:cs typeface="+mn-lt"/>
               </a:rPr>
@@ -20534,7 +20530,7 @@
               <a:t> </a:t>
             </a:r>
             <a:r>
-              <a:rPr lang="pt-PT" sz="2600" b="1" err="1">
+              <a:rPr lang="pt-PT" sz="2600" b="1" dirty="0" err="1">
                 <a:ea typeface="+mn-lt"/>
                 <a:cs typeface="+mn-lt"/>
               </a:rPr>
@@ -20555,7 +20551,7 @@
               <a:t> </a:t>
             </a:r>
             <a:r>
-              <a:rPr lang="pt-PT" sz="2600" err="1">
+              <a:rPr lang="pt-PT" sz="2600" dirty="0" err="1">
                 <a:ea typeface="+mn-lt"/>
                 <a:cs typeface="+mn-lt"/>
               </a:rPr>
@@ -20569,7 +20565,7 @@
               <a:t> </a:t>
             </a:r>
             <a:r>
-              <a:rPr lang="pt-PT" sz="2600" err="1">
+              <a:rPr lang="pt-PT" sz="2600" dirty="0" err="1">
                 <a:ea typeface="+mn-lt"/>
                 <a:cs typeface="+mn-lt"/>
               </a:rPr>
@@ -20583,7 +20579,7 @@
               <a:t> </a:t>
             </a:r>
             <a:r>
-              <a:rPr lang="pt-PT" sz="2600" err="1">
+              <a:rPr lang="pt-PT" sz="2600" dirty="0" err="1">
                 <a:ea typeface="+mn-lt"/>
                 <a:cs typeface="+mn-lt"/>
               </a:rPr>
@@ -20597,7 +20593,7 @@
               <a:t> can </a:t>
             </a:r>
             <a:r>
-              <a:rPr lang="pt-PT" sz="2600" err="1">
+              <a:rPr lang="pt-PT" sz="2600" dirty="0" err="1">
                 <a:ea typeface="+mn-lt"/>
                 <a:cs typeface="+mn-lt"/>
               </a:rPr>
@@ -20611,7 +20607,7 @@
               <a:t> to </a:t>
             </a:r>
             <a:r>
-              <a:rPr lang="pt-PT" sz="2600" err="1">
+              <a:rPr lang="pt-PT" sz="2600" dirty="0" err="1">
                 <a:ea typeface="+mn-lt"/>
                 <a:cs typeface="+mn-lt"/>
               </a:rPr>
@@ -20625,7 +20621,7 @@
               <a:t> </a:t>
             </a:r>
             <a:r>
-              <a:rPr lang="pt-PT" sz="2600" err="1">
+              <a:rPr lang="pt-PT" sz="2600" dirty="0" err="1">
                 <a:ea typeface="+mn-lt"/>
                 <a:cs typeface="+mn-lt"/>
               </a:rPr>
@@ -20639,7 +20635,7 @@
               <a:t> </a:t>
             </a:r>
             <a:r>
-              <a:rPr lang="pt-PT" sz="2600" err="1">
+              <a:rPr lang="pt-PT" sz="2600" dirty="0" err="1">
                 <a:ea typeface="+mn-lt"/>
                 <a:cs typeface="+mn-lt"/>
               </a:rPr>
@@ -20653,7 +20649,7 @@
               <a:t> </a:t>
             </a:r>
             <a:r>
-              <a:rPr lang="pt-PT" sz="2600" err="1">
+              <a:rPr lang="pt-PT" sz="2600" dirty="0" err="1">
                 <a:ea typeface="+mn-lt"/>
                 <a:cs typeface="+mn-lt"/>
               </a:rPr>
@@ -20667,7 +20663,7 @@
               <a:t> </a:t>
             </a:r>
             <a:r>
-              <a:rPr lang="pt-PT" sz="2600" err="1">
+              <a:rPr lang="pt-PT" sz="2600" dirty="0" err="1">
                 <a:ea typeface="+mn-lt"/>
                 <a:cs typeface="+mn-lt"/>
               </a:rPr>
@@ -20681,7 +20677,7 @@
               <a:t> </a:t>
             </a:r>
             <a:r>
-              <a:rPr lang="pt-PT" sz="2600" err="1">
+              <a:rPr lang="pt-PT" sz="2600" dirty="0" err="1">
                 <a:ea typeface="+mn-lt"/>
                 <a:cs typeface="+mn-lt"/>
               </a:rPr>
@@ -20695,7 +20691,7 @@
               <a:t>. For </a:t>
             </a:r>
             <a:r>
-              <a:rPr lang="pt-PT" sz="2600" err="1">
+              <a:rPr lang="pt-PT" sz="2600" dirty="0" err="1">
                 <a:ea typeface="+mn-lt"/>
                 <a:cs typeface="+mn-lt"/>
               </a:rPr>
@@ -20709,7 +20705,7 @@
               <a:t>, JFK can </a:t>
             </a:r>
             <a:r>
-              <a:rPr lang="pt-PT" sz="2600" err="1">
+              <a:rPr lang="pt-PT" sz="2600" dirty="0" err="1">
                 <a:ea typeface="+mn-lt"/>
                 <a:cs typeface="+mn-lt"/>
               </a:rPr>
@@ -20723,7 +20719,7 @@
               <a:t> to a </a:t>
             </a:r>
             <a:r>
-              <a:rPr lang="pt-PT" sz="2600" err="1">
+              <a:rPr lang="pt-PT" sz="2600" dirty="0" err="1">
                 <a:ea typeface="+mn-lt"/>
                 <a:cs typeface="+mn-lt"/>
               </a:rPr>
@@ -20737,7 +20733,7 @@
               <a:t> US </a:t>
             </a:r>
             <a:r>
-              <a:rPr lang="pt-PT" sz="2600" err="1">
+              <a:rPr lang="pt-PT" sz="2600" dirty="0" err="1">
                 <a:ea typeface="+mn-lt"/>
                 <a:cs typeface="+mn-lt"/>
               </a:rPr>
@@ -20751,7 +20747,7 @@
               <a:t> </a:t>
             </a:r>
             <a:r>
-              <a:rPr lang="pt-PT" sz="2600" err="1">
+              <a:rPr lang="pt-PT" sz="2600" dirty="0" err="1">
                 <a:ea typeface="+mn-lt"/>
                 <a:cs typeface="+mn-lt"/>
               </a:rPr>
@@ -20765,7 +20761,7 @@
               <a:t> </a:t>
             </a:r>
             <a:r>
-              <a:rPr lang="pt-PT" sz="2600" err="1">
+              <a:rPr lang="pt-PT" sz="2600" dirty="0" err="1">
                 <a:ea typeface="+mn-lt"/>
                 <a:cs typeface="+mn-lt"/>
               </a:rPr>
@@ -20779,7 +20775,7 @@
               <a:t> </a:t>
             </a:r>
             <a:r>
-              <a:rPr lang="pt-PT" sz="2600" err="1">
+              <a:rPr lang="pt-PT" sz="2600" dirty="0" err="1">
                 <a:ea typeface="+mn-lt"/>
                 <a:cs typeface="+mn-lt"/>
               </a:rPr>
@@ -20816,7 +20812,7 @@
               <a:t>Cross-</a:t>
             </a:r>
             <a:r>
-              <a:rPr lang="pt-PT" sz="2600" b="1" err="1">
+              <a:rPr lang="pt-PT" sz="2600" b="1" dirty="0" err="1">
                 <a:ea typeface="+mn-lt"/>
                 <a:cs typeface="+mn-lt"/>
               </a:rPr>
@@ -20830,7 +20826,7 @@
               <a:t> </a:t>
             </a:r>
             <a:r>
-              <a:rPr lang="pt-PT" sz="2600" b="1" err="1">
+              <a:rPr lang="pt-PT" sz="2600" b="1" dirty="0" err="1">
                 <a:ea typeface="+mn-lt"/>
                 <a:cs typeface="+mn-lt"/>
               </a:rPr>
@@ -20851,7 +20847,7 @@
               <a:t> </a:t>
             </a:r>
             <a:r>
-              <a:rPr lang="pt-PT" sz="2600" err="1">
+              <a:rPr lang="pt-PT" sz="2600" dirty="0" err="1">
                 <a:ea typeface="+mn-lt"/>
                 <a:cs typeface="+mn-lt"/>
               </a:rPr>
@@ -20865,7 +20861,7 @@
               <a:t> </a:t>
             </a:r>
             <a:r>
-              <a:rPr lang="pt-PT" sz="2600" err="1">
+              <a:rPr lang="pt-PT" sz="2600" dirty="0" err="1">
                 <a:ea typeface="+mn-lt"/>
                 <a:cs typeface="+mn-lt"/>
               </a:rPr>
@@ -20879,7 +20875,7 @@
               <a:t> </a:t>
             </a:r>
             <a:r>
-              <a:rPr lang="pt-PT" sz="2600" err="1">
+              <a:rPr lang="pt-PT" sz="2600" dirty="0" err="1">
                 <a:ea typeface="+mn-lt"/>
                 <a:cs typeface="+mn-lt"/>
               </a:rPr>
@@ -20893,7 +20889,7 @@
               <a:t> </a:t>
             </a:r>
             <a:r>
-              <a:rPr lang="pt-PT" sz="2600" err="1">
+              <a:rPr lang="pt-PT" sz="2600" dirty="0" err="1">
                 <a:ea typeface="+mn-lt"/>
                 <a:cs typeface="+mn-lt"/>
               </a:rPr>
@@ -20907,7 +20903,7 @@
               <a:t> can </a:t>
             </a:r>
             <a:r>
-              <a:rPr lang="pt-PT" sz="2600" err="1">
+              <a:rPr lang="pt-PT" sz="2600" dirty="0" err="1">
                 <a:ea typeface="+mn-lt"/>
                 <a:cs typeface="+mn-lt"/>
               </a:rPr>
@@ -20921,7 +20917,7 @@
               <a:t> to </a:t>
             </a:r>
             <a:r>
-              <a:rPr lang="pt-PT" sz="2600" err="1">
+              <a:rPr lang="pt-PT" sz="2600" dirty="0" err="1">
                 <a:ea typeface="+mn-lt"/>
                 <a:cs typeface="+mn-lt"/>
               </a:rPr>
@@ -20935,7 +20931,7 @@
               <a:t> </a:t>
             </a:r>
             <a:r>
-              <a:rPr lang="pt-PT" sz="2600" err="1">
+              <a:rPr lang="pt-PT" sz="2600" dirty="0" err="1">
                 <a:ea typeface="+mn-lt"/>
                 <a:cs typeface="+mn-lt"/>
               </a:rPr>
@@ -20949,7 +20945,7 @@
               <a:t> </a:t>
             </a:r>
             <a:r>
-              <a:rPr lang="pt-PT" sz="2600" err="1">
+              <a:rPr lang="pt-PT" sz="2600" dirty="0" err="1">
                 <a:ea typeface="+mn-lt"/>
                 <a:cs typeface="+mn-lt"/>
               </a:rPr>
@@ -20963,7 +20959,7 @@
               <a:t> </a:t>
             </a:r>
             <a:r>
-              <a:rPr lang="pt-PT" sz="2600" err="1">
+              <a:rPr lang="pt-PT" sz="2600" dirty="0" err="1">
                 <a:ea typeface="+mn-lt"/>
                 <a:cs typeface="+mn-lt"/>
               </a:rPr>
@@ -20977,7 +20973,7 @@
               <a:t>. For </a:t>
             </a:r>
             <a:r>
-              <a:rPr lang="pt-PT" sz="2600" err="1">
+              <a:rPr lang="pt-PT" sz="2600" dirty="0" err="1">
                 <a:ea typeface="+mn-lt"/>
                 <a:cs typeface="+mn-lt"/>
               </a:rPr>
@@ -20991,7 +20987,7 @@
               <a:t>, JFK </a:t>
             </a:r>
             <a:r>
-              <a:rPr lang="pt-PT" sz="2600" err="1">
+              <a:rPr lang="pt-PT" sz="2600" dirty="0" err="1">
                 <a:ea typeface="+mn-lt"/>
                 <a:cs typeface="+mn-lt"/>
               </a:rPr>
@@ -21005,7 +21001,7 @@
               <a:t> </a:t>
             </a:r>
             <a:r>
-              <a:rPr lang="pt-PT" sz="2600" err="1">
+              <a:rPr lang="pt-PT" sz="2600" dirty="0" err="1">
                 <a:ea typeface="+mn-lt"/>
                 <a:cs typeface="+mn-lt"/>
               </a:rPr>
@@ -21019,7 +21015,7 @@
               <a:t> </a:t>
             </a:r>
             <a:r>
-              <a:rPr lang="pt-PT" sz="2600" err="1">
+              <a:rPr lang="pt-PT" sz="2600" dirty="0" err="1">
                 <a:ea typeface="+mn-lt"/>
                 <a:cs typeface="+mn-lt"/>
               </a:rPr>
@@ -21033,7 +21029,7 @@
               <a:t> </a:t>
             </a:r>
             <a:r>
-              <a:rPr lang="pt-PT" sz="2600" err="1">
+              <a:rPr lang="pt-PT" sz="2600" dirty="0" err="1">
                 <a:ea typeface="+mn-lt"/>
                 <a:cs typeface="+mn-lt"/>
               </a:rPr>
@@ -21047,7 +21043,7 @@
               <a:t>, </a:t>
             </a:r>
             <a:r>
-              <a:rPr lang="pt-PT" sz="2600" err="1">
+              <a:rPr lang="pt-PT" sz="2600" dirty="0" err="1">
                 <a:ea typeface="+mn-lt"/>
                 <a:cs typeface="+mn-lt"/>
               </a:rPr>
@@ -21061,7 +21057,7 @@
               <a:t> </a:t>
             </a:r>
             <a:r>
-              <a:rPr lang="pt-PT" sz="2600" err="1">
+              <a:rPr lang="pt-PT" sz="2600" dirty="0" err="1">
                 <a:ea typeface="+mn-lt"/>
                 <a:cs typeface="+mn-lt"/>
               </a:rPr>
@@ -21296,7 +21292,7 @@
         </p:nvSpPr>
         <p:spPr>
           <a:xfrm>
-            <a:off x="170048" y="-177"/>
+            <a:off x="114911" y="0"/>
             <a:ext cx="10515600" cy="1325563"/>
           </a:xfrm>
         </p:spPr>
@@ -21824,7 +21820,7 @@
               <a:buAutoNum type="arabicPeriod"/>
             </a:pPr>
             <a:r>
-              <a:rPr lang="pt-PT" sz="2600" b="1" err="1">
+              <a:rPr lang="pt-PT" sz="2600" b="1" dirty="0" err="1">
                 <a:ea typeface="+mn-lt"/>
                 <a:cs typeface="+mn-lt"/>
               </a:rPr>
@@ -21845,7 +21841,7 @@
               <a:t> </a:t>
             </a:r>
             <a:r>
-              <a:rPr lang="pt-PT" sz="2600" err="1">
+              <a:rPr lang="pt-PT" sz="2600" dirty="0" err="1">
                 <a:ea typeface="+mn-lt"/>
                 <a:cs typeface="+mn-lt"/>
               </a:rPr>
@@ -21859,7 +21855,7 @@
               <a:t> </a:t>
             </a:r>
             <a:r>
-              <a:rPr lang="pt-PT" sz="2600" err="1">
+              <a:rPr lang="pt-PT" sz="2600" dirty="0" err="1">
                 <a:ea typeface="+mn-lt"/>
                 <a:cs typeface="+mn-lt"/>
               </a:rPr>
@@ -21873,7 +21869,7 @@
               <a:t> </a:t>
             </a:r>
             <a:r>
-              <a:rPr lang="pt-PT" sz="2600" err="1">
+              <a:rPr lang="pt-PT" sz="2600" dirty="0" err="1">
                 <a:ea typeface="+mn-lt"/>
                 <a:cs typeface="+mn-lt"/>
               </a:rPr>
@@ -21887,7 +21883,7 @@
               <a:t> </a:t>
             </a:r>
             <a:r>
-              <a:rPr lang="pt-PT" sz="2600" err="1">
+              <a:rPr lang="pt-PT" sz="2600" dirty="0" err="1">
                 <a:ea typeface="+mn-lt"/>
                 <a:cs typeface="+mn-lt"/>
               </a:rPr>
@@ -21901,7 +21897,7 @@
               <a:t> </a:t>
             </a:r>
             <a:r>
-              <a:rPr lang="pt-PT" sz="2600" err="1">
+              <a:rPr lang="pt-PT" sz="2600" dirty="0" err="1">
                 <a:ea typeface="+mn-lt"/>
                 <a:cs typeface="+mn-lt"/>
               </a:rPr>
@@ -21915,7 +21911,7 @@
               <a:t> </a:t>
             </a:r>
             <a:r>
-              <a:rPr lang="pt-PT" sz="2600" err="1">
+              <a:rPr lang="pt-PT" sz="2600" dirty="0" err="1">
                 <a:ea typeface="+mn-lt"/>
                 <a:cs typeface="+mn-lt"/>
               </a:rPr>
@@ -21943,7 +21939,7 @@
               <a:buAutoNum type="arabicPeriod"/>
             </a:pPr>
             <a:r>
-              <a:rPr lang="pt-PT" sz="2600" b="1" err="1">
+              <a:rPr lang="pt-PT" sz="2600" b="1" dirty="0" err="1">
                 <a:ea typeface="+mn-lt"/>
                 <a:cs typeface="+mn-lt"/>
               </a:rPr>
@@ -21957,7 +21953,7 @@
               <a:t> </a:t>
             </a:r>
             <a:r>
-              <a:rPr lang="pt-PT" sz="2600" b="1" err="1">
+              <a:rPr lang="pt-PT" sz="2600" b="1" dirty="0" err="1">
                 <a:ea typeface="+mn-lt"/>
                 <a:cs typeface="+mn-lt"/>
               </a:rPr>
@@ -21978,7 +21974,7 @@
               <a:t> Uses </a:t>
             </a:r>
             <a:r>
-              <a:rPr lang="pt-PT" sz="2600" err="1">
+              <a:rPr lang="pt-PT" sz="2600" dirty="0" err="1">
                 <a:ea typeface="+mn-lt"/>
                 <a:cs typeface="+mn-lt"/>
               </a:rPr>
@@ -21992,7 +21988,7 @@
               <a:t> </a:t>
             </a:r>
             <a:r>
-              <a:rPr lang="pt-PT" sz="2600" err="1">
+              <a:rPr lang="pt-PT" sz="2600" dirty="0" err="1">
                 <a:ea typeface="+mn-lt"/>
                 <a:cs typeface="+mn-lt"/>
               </a:rPr>
@@ -22006,7 +22002,7 @@
               <a:t> </a:t>
             </a:r>
             <a:r>
-              <a:rPr lang="pt-PT" sz="2600" err="1">
+              <a:rPr lang="pt-PT" sz="2600" dirty="0" err="1">
                 <a:ea typeface="+mn-lt"/>
                 <a:cs typeface="+mn-lt"/>
               </a:rPr>
@@ -22020,7 +22016,7 @@
               <a:t>, POS </a:t>
             </a:r>
             <a:r>
-              <a:rPr lang="pt-PT" sz="2600" err="1">
+              <a:rPr lang="pt-PT" sz="2600" dirty="0" err="1">
                 <a:ea typeface="+mn-lt"/>
                 <a:cs typeface="+mn-lt"/>
               </a:rPr>
@@ -22034,7 +22030,7 @@
               <a:t>, </a:t>
             </a:r>
             <a:r>
-              <a:rPr lang="pt-PT" sz="2600" err="1">
+              <a:rPr lang="pt-PT" sz="2600" dirty="0" err="1">
                 <a:ea typeface="+mn-lt"/>
                 <a:cs typeface="+mn-lt"/>
               </a:rPr>
@@ -22048,7 +22044,7 @@
               <a:t> </a:t>
             </a:r>
             <a:r>
-              <a:rPr lang="pt-PT" sz="2600" err="1">
+              <a:rPr lang="pt-PT" sz="2600" dirty="0" err="1">
                 <a:ea typeface="+mn-lt"/>
                 <a:cs typeface="+mn-lt"/>
               </a:rPr>
@@ -22062,7 +22058,7 @@
               <a:t> </a:t>
             </a:r>
             <a:r>
-              <a:rPr lang="pt-PT" sz="2600" err="1">
+              <a:rPr lang="pt-PT" sz="2600" dirty="0" err="1">
                 <a:ea typeface="+mn-lt"/>
                 <a:cs typeface="+mn-lt"/>
               </a:rPr>
@@ -22090,7 +22086,7 @@
               <a:buAutoNum type="arabicPeriod"/>
             </a:pPr>
             <a:r>
-              <a:rPr lang="pt-PT" sz="2600" b="1" err="1">
+              <a:rPr lang="pt-PT" sz="2600" b="1" dirty="0" err="1">
                 <a:ea typeface="+mn-lt"/>
                 <a:cs typeface="+mn-lt"/>
               </a:rPr>
@@ -22104,7 +22100,7 @@
               <a:t>: </a:t>
             </a:r>
             <a:r>
-              <a:rPr lang="pt-PT" sz="2600" err="1">
+              <a:rPr lang="pt-PT" sz="2600" dirty="0" err="1">
                 <a:ea typeface="+mn-lt"/>
                 <a:cs typeface="+mn-lt"/>
               </a:rPr>
@@ -22118,7 +22114,7 @@
               <a:t> </a:t>
             </a:r>
             <a:r>
-              <a:rPr lang="pt-PT" sz="2600" err="1">
+              <a:rPr lang="pt-PT" sz="2600" dirty="0" err="1">
                 <a:ea typeface="+mn-lt"/>
                 <a:cs typeface="+mn-lt"/>
               </a:rPr>
@@ -22132,7 +22128,7 @@
               <a:t> </a:t>
             </a:r>
             <a:r>
-              <a:rPr lang="pt-PT" sz="2600" err="1">
+              <a:rPr lang="pt-PT" sz="2600" dirty="0" err="1">
                 <a:ea typeface="+mn-lt"/>
                 <a:cs typeface="+mn-lt"/>
               </a:rPr>
@@ -22146,7 +22142,7 @@
               <a:t> </a:t>
             </a:r>
             <a:r>
-              <a:rPr lang="pt-PT" sz="2600" err="1">
+              <a:rPr lang="pt-PT" sz="2600" dirty="0" err="1">
                 <a:ea typeface="+mn-lt"/>
                 <a:cs typeface="+mn-lt"/>
               </a:rPr>
@@ -22160,7 +22156,7 @@
               <a:t> </a:t>
             </a:r>
             <a:r>
-              <a:rPr lang="pt-PT" sz="2600" err="1">
+              <a:rPr lang="pt-PT" sz="2600" dirty="0" err="1">
                 <a:ea typeface="+mn-lt"/>
                 <a:cs typeface="+mn-lt"/>
               </a:rPr>
@@ -22174,7 +22170,7 @@
               <a:t> </a:t>
             </a:r>
             <a:r>
-              <a:rPr lang="pt-PT" sz="2600" err="1">
+              <a:rPr lang="pt-PT" sz="2600" dirty="0" err="1">
                 <a:ea typeface="+mn-lt"/>
                 <a:cs typeface="+mn-lt"/>
               </a:rPr>
@@ -22188,7 +22184,7 @@
               <a:t> </a:t>
             </a:r>
             <a:r>
-              <a:rPr lang="pt-PT" sz="2600" err="1">
+              <a:rPr lang="pt-PT" sz="2600" dirty="0" err="1">
                 <a:ea typeface="+mn-lt"/>
                 <a:cs typeface="+mn-lt"/>
               </a:rPr>
@@ -22202,7 +22198,7 @@
               <a:t> </a:t>
             </a:r>
             <a:r>
-              <a:rPr lang="pt-PT" sz="2600" err="1">
+              <a:rPr lang="pt-PT" sz="2600" dirty="0" err="1">
                 <a:ea typeface="+mn-lt"/>
                 <a:cs typeface="+mn-lt"/>
               </a:rPr>
@@ -23015,7 +23011,7 @@
           </a:p>
           <a:p>
             <a:r>
-              <a:rPr lang="pt-PT" sz="3000" err="1">
+              <a:rPr lang="pt-PT" sz="3000" dirty="0" err="1">
                 <a:ea typeface="+mn-lt"/>
                 <a:cs typeface="+mn-lt"/>
               </a:rPr>
@@ -23029,7 +23025,7 @@
               <a:t> </a:t>
             </a:r>
             <a:r>
-              <a:rPr lang="pt-PT" sz="3000" err="1">
+              <a:rPr lang="pt-PT" sz="3000" dirty="0" err="1">
                 <a:ea typeface="+mn-lt"/>
                 <a:cs typeface="+mn-lt"/>
               </a:rPr>
@@ -23043,7 +23039,7 @@
               <a:t> </a:t>
             </a:r>
             <a:r>
-              <a:rPr lang="pt-PT" sz="3000" err="1">
+              <a:rPr lang="pt-PT" sz="3000" dirty="0" err="1">
                 <a:ea typeface="+mn-lt"/>
                 <a:cs typeface="+mn-lt"/>
               </a:rPr>
@@ -23057,7 +23053,7 @@
               <a:t> use </a:t>
             </a:r>
             <a:r>
-              <a:rPr lang="pt-PT" sz="3000" b="1" err="1">
+              <a:rPr lang="pt-PT" sz="3000" b="1" dirty="0" err="1">
                 <a:ea typeface="+mn-lt"/>
                 <a:cs typeface="+mn-lt"/>
               </a:rPr>
@@ -23071,7 +23067,7 @@
               <a:t>, </a:t>
             </a:r>
             <a:r>
-              <a:rPr lang="pt-PT" sz="3000" err="1">
+              <a:rPr lang="pt-PT" sz="3000" dirty="0" err="1">
                 <a:ea typeface="+mn-lt"/>
                 <a:cs typeface="+mn-lt"/>
               </a:rPr>
@@ -23085,7 +23081,7 @@
               <a:t> </a:t>
             </a:r>
             <a:r>
-              <a:rPr lang="pt-PT" sz="3000" err="1">
+              <a:rPr lang="pt-PT" sz="3000" dirty="0" err="1">
                 <a:ea typeface="+mn-lt"/>
                 <a:cs typeface="+mn-lt"/>
               </a:rPr>
@@ -23099,7 +23095,7 @@
               <a:t> </a:t>
             </a:r>
             <a:r>
-              <a:rPr lang="pt-PT" sz="3000" err="1">
+              <a:rPr lang="pt-PT" sz="3000" dirty="0" err="1">
                 <a:ea typeface="+mn-lt"/>
                 <a:cs typeface="+mn-lt"/>
               </a:rPr>
@@ -23113,7 +23109,7 @@
               <a:t>, </a:t>
             </a:r>
             <a:r>
-              <a:rPr lang="pt-PT" sz="3000" err="1">
+              <a:rPr lang="pt-PT" sz="3000" dirty="0" err="1">
                 <a:ea typeface="+mn-lt"/>
                 <a:cs typeface="+mn-lt"/>
               </a:rPr>
@@ -23127,7 +23123,7 @@
               <a:t>, </a:t>
             </a:r>
             <a:r>
-              <a:rPr lang="pt-PT" sz="3000" err="1">
+              <a:rPr lang="pt-PT" sz="3000" dirty="0" err="1">
                 <a:ea typeface="+mn-lt"/>
                 <a:cs typeface="+mn-lt"/>
               </a:rPr>
@@ -23156,7 +23152,7 @@
               <a:t>Rules can </a:t>
             </a:r>
             <a:r>
-              <a:rPr lang="pt-PT" sz="3000" err="1">
+              <a:rPr lang="pt-PT" sz="3000" dirty="0" err="1">
                 <a:ea typeface="+mn-lt"/>
                 <a:cs typeface="+mn-lt"/>
               </a:rPr>
@@ -23170,7 +23166,7 @@
               <a:t> </a:t>
             </a:r>
             <a:r>
-              <a:rPr lang="pt-PT" sz="3000" err="1">
+              <a:rPr lang="pt-PT" sz="3000" dirty="0" err="1">
                 <a:ea typeface="+mn-lt"/>
                 <a:cs typeface="+mn-lt"/>
               </a:rPr>
@@ -23184,7 +23180,7 @@
               <a:t> </a:t>
             </a:r>
             <a:r>
-              <a:rPr lang="pt-PT" sz="3000" err="1">
+              <a:rPr lang="pt-PT" sz="3000" dirty="0" err="1">
                 <a:ea typeface="+mn-lt"/>
                 <a:cs typeface="+mn-lt"/>
               </a:rPr>
@@ -23198,7 +23194,7 @@
               <a:t> </a:t>
             </a:r>
             <a:r>
-              <a:rPr lang="pt-PT" sz="3000" err="1">
+              <a:rPr lang="pt-PT" sz="3000" dirty="0" err="1">
                 <a:ea typeface="+mn-lt"/>
                 <a:cs typeface="+mn-lt"/>
               </a:rPr>
@@ -23219,7 +23215,7 @@
               <a:t>regular </a:t>
             </a:r>
             <a:r>
-              <a:rPr lang="pt-PT" sz="3000" b="1" err="1">
+              <a:rPr lang="pt-PT" sz="3000" b="1" dirty="0" err="1">
                 <a:ea typeface="+mn-lt"/>
                 <a:cs typeface="+mn-lt"/>
               </a:rPr>
@@ -23233,7 +23229,7 @@
               <a:t> </a:t>
             </a:r>
             <a:r>
-              <a:rPr lang="pt-PT" sz="3000" err="1">
+              <a:rPr lang="pt-PT" sz="3000" dirty="0" err="1">
                 <a:ea typeface="+mn-lt"/>
                 <a:cs typeface="+mn-lt"/>
               </a:rPr>
@@ -23247,7 +23243,7 @@
               <a:t> </a:t>
             </a:r>
             <a:r>
-              <a:rPr lang="pt-PT" sz="3000" err="1">
+              <a:rPr lang="pt-PT" sz="3000" dirty="0" err="1">
                 <a:ea typeface="+mn-lt"/>
                 <a:cs typeface="+mn-lt"/>
               </a:rPr>
@@ -23261,7 +23257,7 @@
               <a:t> </a:t>
             </a:r>
             <a:r>
-              <a:rPr lang="pt-PT" sz="3000" err="1">
+              <a:rPr lang="pt-PT" sz="3000" dirty="0" err="1">
                 <a:ea typeface="+mn-lt"/>
                 <a:cs typeface="+mn-lt"/>
               </a:rPr>
@@ -23275,7 +23271,7 @@
               <a:t> </a:t>
             </a:r>
             <a:r>
-              <a:rPr lang="pt-PT" sz="3000" err="1">
+              <a:rPr lang="pt-PT" sz="3000" dirty="0" err="1">
                 <a:ea typeface="+mn-lt"/>
                 <a:cs typeface="+mn-lt"/>
               </a:rPr>
@@ -23289,7 +23285,7 @@
               <a:t> </a:t>
             </a:r>
             <a:r>
-              <a:rPr lang="pt-PT" sz="3000" err="1">
+              <a:rPr lang="pt-PT" sz="3000" dirty="0" err="1">
                 <a:ea typeface="+mn-lt"/>
                 <a:cs typeface="+mn-lt"/>
               </a:rPr>
@@ -23303,7 +23299,7 @@
               <a:t>. </a:t>
             </a:r>
             <a:r>
-              <a:rPr lang="pt-PT" sz="3000" err="1">
+              <a:rPr lang="pt-PT" sz="3000" dirty="0" err="1">
                 <a:ea typeface="+mn-lt"/>
                 <a:cs typeface="+mn-lt"/>
               </a:rPr>
@@ -23317,7 +23313,7 @@
               <a:t> rules </a:t>
             </a:r>
             <a:r>
-              <a:rPr lang="pt-PT" sz="3000" err="1">
+              <a:rPr lang="pt-PT" sz="3000" dirty="0" err="1">
                 <a:ea typeface="+mn-lt"/>
                 <a:cs typeface="+mn-lt"/>
               </a:rPr>
@@ -23331,7 +23327,7 @@
               <a:t> </a:t>
             </a:r>
             <a:r>
-              <a:rPr lang="pt-PT" sz="3000" err="1">
+              <a:rPr lang="pt-PT" sz="3000" dirty="0" err="1">
                 <a:ea typeface="+mn-lt"/>
                 <a:cs typeface="+mn-lt"/>
               </a:rPr>
@@ -23345,7 +23341,7 @@
               <a:t> </a:t>
             </a:r>
             <a:r>
-              <a:rPr lang="pt-PT" sz="3000" b="1" err="1">
+              <a:rPr lang="pt-PT" sz="3000" b="1" dirty="0" err="1">
                 <a:ea typeface="+mn-lt"/>
                 <a:cs typeface="+mn-lt"/>
               </a:rPr>
@@ -23359,7 +23355,7 @@
               <a:t> </a:t>
             </a:r>
             <a:r>
-              <a:rPr lang="pt-PT" sz="3000" b="1" err="1">
+              <a:rPr lang="pt-PT" sz="3000" b="1" dirty="0" err="1">
                 <a:ea typeface="+mn-lt"/>
                 <a:cs typeface="+mn-lt"/>
               </a:rPr>
@@ -23373,7 +23369,7 @@
               <a:t> </a:t>
             </a:r>
             <a:r>
-              <a:rPr lang="pt-PT" sz="3000" b="1" err="1">
+              <a:rPr lang="pt-PT" sz="3000" b="1" dirty="0" err="1">
                 <a:ea typeface="+mn-lt"/>
                 <a:cs typeface="+mn-lt"/>
               </a:rPr>
@@ -23387,7 +23383,7 @@
               <a:t>, </a:t>
             </a:r>
             <a:r>
-              <a:rPr lang="pt-PT" sz="3000" err="1">
+              <a:rPr lang="pt-PT" sz="3000" dirty="0" err="1">
                 <a:ea typeface="+mn-lt"/>
                 <a:cs typeface="+mn-lt"/>
               </a:rPr>
@@ -23401,7 +23397,7 @@
               <a:t> </a:t>
             </a:r>
             <a:r>
-              <a:rPr lang="pt-PT" sz="3000" err="1">
+              <a:rPr lang="pt-PT" sz="3000" dirty="0" err="1">
                 <a:ea typeface="+mn-lt"/>
                 <a:cs typeface="+mn-lt"/>
               </a:rPr>
@@ -23415,7 +23411,7 @@
               <a:t> </a:t>
             </a:r>
             <a:r>
-              <a:rPr lang="pt-PT" sz="3000" b="1" err="1">
+              <a:rPr lang="pt-PT" sz="3000" b="1" dirty="0" err="1">
                 <a:ea typeface="+mn-lt"/>
                 <a:cs typeface="+mn-lt"/>
               </a:rPr>
@@ -23429,7 +23425,7 @@
               <a:t> </a:t>
             </a:r>
             <a:r>
-              <a:rPr lang="pt-PT" sz="3000" b="1" err="1">
+              <a:rPr lang="pt-PT" sz="3000" b="1" dirty="0" err="1">
                 <a:ea typeface="+mn-lt"/>
                 <a:cs typeface="+mn-lt"/>
               </a:rPr>
@@ -23465,7 +23461,7 @@
               <a:t> </a:t>
             </a:r>
             <a:r>
-              <a:rPr lang="pt-PT" sz="3000" err="1">
+              <a:rPr lang="pt-PT" sz="3000" dirty="0" err="1">
                 <a:ea typeface="+mn-lt"/>
                 <a:cs typeface="+mn-lt"/>
               </a:rPr>
@@ -23479,7 +23475,7 @@
               <a:t> </a:t>
             </a:r>
             <a:r>
-              <a:rPr lang="pt-PT" sz="3000" b="1" err="1">
+              <a:rPr lang="pt-PT" sz="3000" b="1" dirty="0" err="1">
                 <a:ea typeface="+mn-lt"/>
                 <a:cs typeface="+mn-lt"/>
               </a:rPr>
@@ -23493,7 +23489,7 @@
               <a:t> </a:t>
             </a:r>
             <a:r>
-              <a:rPr lang="pt-PT" sz="3000" err="1">
+              <a:rPr lang="pt-PT" sz="3000" dirty="0" err="1">
                 <a:ea typeface="+mn-lt"/>
                 <a:cs typeface="+mn-lt"/>
               </a:rPr>
@@ -23507,7 +23503,7 @@
               <a:t> </a:t>
             </a:r>
             <a:r>
-              <a:rPr lang="pt-PT" sz="3000" b="1" err="1">
+              <a:rPr lang="pt-PT" sz="3000" b="1" dirty="0" err="1">
                 <a:ea typeface="+mn-lt"/>
                 <a:cs typeface="+mn-lt"/>
               </a:rPr>
@@ -23521,7 +23517,7 @@
               <a:t> </a:t>
             </a:r>
             <a:r>
-              <a:rPr lang="pt-PT" sz="3000" b="1" err="1">
+              <a:rPr lang="pt-PT" sz="3000" b="1" dirty="0" err="1">
                 <a:ea typeface="+mn-lt"/>
                 <a:cs typeface="+mn-lt"/>
               </a:rPr>
@@ -23535,7 +23531,7 @@
               <a:t> </a:t>
             </a:r>
             <a:r>
-              <a:rPr lang="pt-PT" sz="3000" b="1" err="1">
+              <a:rPr lang="pt-PT" sz="3000" b="1" dirty="0" err="1">
                 <a:ea typeface="+mn-lt"/>
                 <a:cs typeface="+mn-lt"/>
               </a:rPr>
@@ -24488,7 +24484,7 @@
               <a:t>: </a:t>
             </a:r>
             <a:r>
-              <a:rPr lang="pt-PT" sz="2600" err="1">
+              <a:rPr lang="pt-PT" sz="2600" dirty="0" err="1">
                 <a:ea typeface="+mn-lt"/>
                 <a:cs typeface="+mn-lt"/>
               </a:rPr>
@@ -24502,7 +24498,7 @@
               <a:t> </a:t>
             </a:r>
             <a:r>
-              <a:rPr lang="pt-PT" sz="2600" err="1">
+              <a:rPr lang="pt-PT" sz="2600" dirty="0" err="1">
                 <a:ea typeface="+mn-lt"/>
                 <a:cs typeface="+mn-lt"/>
               </a:rPr>
@@ -24516,7 +24512,7 @@
               <a:t> </a:t>
             </a:r>
             <a:r>
-              <a:rPr lang="pt-PT" sz="2600" err="1">
+              <a:rPr lang="pt-PT" sz="2600" dirty="0" err="1">
                 <a:ea typeface="+mn-lt"/>
                 <a:cs typeface="+mn-lt"/>
               </a:rPr>
@@ -24530,13 +24526,13 @@
               <a:t> </a:t>
             </a:r>
             <a:r>
-              <a:rPr lang="pt-PT" sz="2600" err="1">
+              <a:rPr lang="pt-PT" sz="2600" dirty="0" err="1">
                 <a:ea typeface="+mn-lt"/>
                 <a:cs typeface="+mn-lt"/>
               </a:rPr>
               <a:t>entity</a:t>
             </a:r>
-            <a:endParaRPr lang="pt-PT" sz="2600">
+            <a:endParaRPr lang="pt-PT" sz="2600" dirty="0">
               <a:ea typeface="+mn-lt"/>
               <a:cs typeface="+mn-lt"/>
             </a:endParaRPr>
@@ -24623,7 +24619,7 @@
               <a:t>: </a:t>
             </a:r>
             <a:r>
-              <a:rPr lang="pt-PT" sz="2600" err="1">
+              <a:rPr lang="pt-PT" sz="2600" dirty="0" err="1">
                 <a:ea typeface="+mn-lt"/>
                 <a:cs typeface="+mn-lt"/>
               </a:rPr>
@@ -24637,7 +24633,7 @@
               <a:t> </a:t>
             </a:r>
             <a:r>
-              <a:rPr lang="pt-PT" sz="2600" err="1">
+              <a:rPr lang="pt-PT" sz="2600" dirty="0" err="1">
                 <a:ea typeface="+mn-lt"/>
                 <a:cs typeface="+mn-lt"/>
               </a:rPr>
@@ -24651,13 +24647,13 @@
               <a:t> </a:t>
             </a:r>
             <a:r>
-              <a:rPr lang="pt-PT" sz="2600" err="1">
+              <a:rPr lang="pt-PT" sz="2600" dirty="0" err="1">
                 <a:ea typeface="+mn-lt"/>
                 <a:cs typeface="+mn-lt"/>
               </a:rPr>
               <a:t>entity</a:t>
             </a:r>
-            <a:endParaRPr lang="pt-PT" sz="2600">
+            <a:endParaRPr lang="pt-PT" sz="2600" dirty="0">
               <a:ea typeface="+mn-lt"/>
               <a:cs typeface="+mn-lt"/>
             </a:endParaRPr>
@@ -24827,7 +24823,7 @@
               </a:rPr>
               <a:t>.</a:t>
             </a:r>
-            <a:endParaRPr lang="pt-PT"/>
+            <a:endParaRPr lang="pt-PT" dirty="0"/>
           </a:p>
           <a:p>
             <a:endParaRPr lang="pt-PT" sz="3000" dirty="0">
